--- a/images/Logo.pptx
+++ b/images/Logo.pptx
@@ -6,7 +6,8 @@
   </p:sldMasterIdLst>
   <p:sldIdLst>
     <p:sldId id="256" r:id="rId2"/>
-    <p:sldId id="257" r:id="rId3"/>
+    <p:sldId id="258" r:id="rId3"/>
+    <p:sldId id="257" r:id="rId4"/>
   </p:sldIdLst>
   <p:sldSz cx="12192000" cy="6858000"/>
   <p:notesSz cx="6858000" cy="9144000"/>
@@ -117,70 +118,34 @@
 <pc:chgInfo xmlns:a="http://schemas.openxmlformats.org/drawingml/2006/main" xmlns:r="http://schemas.openxmlformats.org/officeDocument/2006/relationships" xmlns:ac="http://schemas.microsoft.com/office/drawing/2013/main/command" xmlns:pc="http://schemas.microsoft.com/office/powerpoint/2013/main/command">
   <pc:docChgLst>
     <pc:chgData name="Levi Elston" userId="cde866d18f93c538" providerId="LiveId" clId="{D6A45B5B-9DC4-4CC0-BF76-CBFF06FF5D80}"/>
-    <pc:docChg chg="undo redo custSel addSld modSld">
-      <pc:chgData name="Levi Elston" userId="cde866d18f93c538" providerId="LiveId" clId="{D6A45B5B-9DC4-4CC0-BF76-CBFF06FF5D80}" dt="2017-09-30T02:12:15.423" v="2542" actId="1076"/>
+  </pc:docChgLst>
+  <pc:docChgLst>
+    <pc:chgData name="Levi Elston" userId="cde866d18f93c538" providerId="LiveId" clId="{B8528879-F78A-42A1-AF7E-602E4791D450}"/>
+    <pc:docChg chg="addSld modSld">
+      <pc:chgData name="Levi Elston" userId="cde866d18f93c538" providerId="LiveId" clId="{B8528879-F78A-42A1-AF7E-602E4791D450}" dt="2018-03-28T02:37:03.583" v="60" actId="1038"/>
       <pc:docMkLst>
         <pc:docMk/>
       </pc:docMkLst>
-      <pc:sldChg chg="modSp">
-        <pc:chgData name="Levi Elston" userId="cde866d18f93c538" providerId="LiveId" clId="{D6A45B5B-9DC4-4CC0-BF76-CBFF06FF5D80}" dt="2017-09-30T01:55:55.594" v="1695" actId="3064"/>
+      <pc:sldChg chg="modSp add">
+        <pc:chgData name="Levi Elston" userId="cde866d18f93c538" providerId="LiveId" clId="{B8528879-F78A-42A1-AF7E-602E4791D450}" dt="2018-03-28T02:37:03.583" v="60" actId="1038"/>
         <pc:sldMkLst>
           <pc:docMk/>
-          <pc:sldMk cId="2356862961" sldId="256"/>
+          <pc:sldMk cId="2163156386" sldId="258"/>
         </pc:sldMkLst>
         <pc:spChg chg="mod">
-          <ac:chgData name="Levi Elston" userId="cde866d18f93c538" providerId="LiveId" clId="{D6A45B5B-9DC4-4CC0-BF76-CBFF06FF5D80}" dt="2017-09-30T01:55:48.665" v="1694" actId="3064"/>
+          <ac:chgData name="Levi Elston" userId="cde866d18f93c538" providerId="LiveId" clId="{B8528879-F78A-42A1-AF7E-602E4791D450}" dt="2018-03-28T02:37:03.583" v="60" actId="1038"/>
           <ac:spMkLst>
             <pc:docMk/>
-            <pc:sldMk cId="2356862961" sldId="256"/>
+            <pc:sldMk cId="2163156386" sldId="258"/>
             <ac:spMk id="4" creationId="{E7C18FBA-3B6B-4A38-8D21-B2B8624D21D6}"/>
           </ac:spMkLst>
         </pc:spChg>
-        <pc:spChg chg="mod ord">
-          <ac:chgData name="Levi Elston" userId="cde866d18f93c538" providerId="LiveId" clId="{D6A45B5B-9DC4-4CC0-BF76-CBFF06FF5D80}" dt="2017-09-30T01:55:55.594" v="1695" actId="3064"/>
+        <pc:spChg chg="mod">
+          <ac:chgData name="Levi Elston" userId="cde866d18f93c538" providerId="LiveId" clId="{B8528879-F78A-42A1-AF7E-602E4791D450}" dt="2018-03-28T02:36:50.625" v="26" actId="108"/>
           <ac:spMkLst>
             <pc:docMk/>
-            <pc:sldMk cId="2356862961" sldId="256"/>
+            <pc:sldMk cId="2163156386" sldId="258"/>
             <ac:spMk id="5" creationId="{65BBB101-EC0B-470F-9A95-8D734A01AB8B}"/>
-          </ac:spMkLst>
-        </pc:spChg>
-      </pc:sldChg>
-      <pc:sldChg chg="addSp delSp modSp add">
-        <pc:chgData name="Levi Elston" userId="cde866d18f93c538" providerId="LiveId" clId="{D6A45B5B-9DC4-4CC0-BF76-CBFF06FF5D80}" dt="2017-09-30T02:12:15.423" v="2542" actId="1076"/>
-        <pc:sldMkLst>
-          <pc:docMk/>
-          <pc:sldMk cId="3806225925" sldId="257"/>
-        </pc:sldMkLst>
-        <pc:spChg chg="add del mod">
-          <ac:chgData name="Levi Elston" userId="cde866d18f93c538" providerId="LiveId" clId="{D6A45B5B-9DC4-4CC0-BF76-CBFF06FF5D80}" dt="2017-09-30T02:04:35.915" v="2416" actId="478"/>
-          <ac:spMkLst>
-            <pc:docMk/>
-            <pc:sldMk cId="3806225925" sldId="257"/>
-            <ac:spMk id="2" creationId="{D37F2922-ADF5-4234-ABF8-7895B9935F7F}"/>
-          </ac:spMkLst>
-        </pc:spChg>
-        <pc:spChg chg="add del mod">
-          <ac:chgData name="Levi Elston" userId="cde866d18f93c538" providerId="LiveId" clId="{D6A45B5B-9DC4-4CC0-BF76-CBFF06FF5D80}" dt="2017-09-30T02:04:35.915" v="2416" actId="478"/>
-          <ac:spMkLst>
-            <pc:docMk/>
-            <pc:sldMk cId="3806225925" sldId="257"/>
-            <ac:spMk id="3" creationId="{949EAFCE-FF1B-4600-89CC-38E904F1F3FD}"/>
-          </ac:spMkLst>
-        </pc:spChg>
-        <pc:spChg chg="add mod ord">
-          <ac:chgData name="Levi Elston" userId="cde866d18f93c538" providerId="LiveId" clId="{D6A45B5B-9DC4-4CC0-BF76-CBFF06FF5D80}" dt="2017-09-30T02:12:15.423" v="2542" actId="1076"/>
-          <ac:spMkLst>
-            <pc:docMk/>
-            <pc:sldMk cId="3806225925" sldId="257"/>
-            <ac:spMk id="4" creationId="{6CCAD565-6885-4D3F-BC00-2C8B41BC1421}"/>
-          </ac:spMkLst>
-        </pc:spChg>
-        <pc:spChg chg="add mod">
-          <ac:chgData name="Levi Elston" userId="cde866d18f93c538" providerId="LiveId" clId="{D6A45B5B-9DC4-4CC0-BF76-CBFF06FF5D80}" dt="2017-09-30T02:12:09.963" v="2541" actId="14100"/>
-          <ac:spMkLst>
-            <pc:docMk/>
-            <pc:sldMk cId="3806225925" sldId="257"/>
-            <ac:spMk id="5" creationId="{24ED96B5-A754-4879-A7DD-99ACB5538D89}"/>
           </ac:spMkLst>
         </pc:spChg>
       </pc:sldChg>
@@ -336,7 +301,7 @@
           <a:p>
             <a:fld id="{712BF370-8BC6-43CF-AFF8-E4BEC3BC2070}" type="datetimeFigureOut">
               <a:rPr lang="en-US" smtClean="0"/>
-              <a:t>9/29/2017</a:t>
+              <a:t>3/27/2018</a:t>
             </a:fld>
             <a:endParaRPr lang="en-US"/>
           </a:p>
@@ -534,7 +499,7 @@
           <a:p>
             <a:fld id="{712BF370-8BC6-43CF-AFF8-E4BEC3BC2070}" type="datetimeFigureOut">
               <a:rPr lang="en-US" smtClean="0"/>
-              <a:t>9/29/2017</a:t>
+              <a:t>3/27/2018</a:t>
             </a:fld>
             <a:endParaRPr lang="en-US"/>
           </a:p>
@@ -742,7 +707,7 @@
           <a:p>
             <a:fld id="{712BF370-8BC6-43CF-AFF8-E4BEC3BC2070}" type="datetimeFigureOut">
               <a:rPr lang="en-US" smtClean="0"/>
-              <a:t>9/29/2017</a:t>
+              <a:t>3/27/2018</a:t>
             </a:fld>
             <a:endParaRPr lang="en-US"/>
           </a:p>
@@ -940,7 +905,7 @@
           <a:p>
             <a:fld id="{712BF370-8BC6-43CF-AFF8-E4BEC3BC2070}" type="datetimeFigureOut">
               <a:rPr lang="en-US" smtClean="0"/>
-              <a:t>9/29/2017</a:t>
+              <a:t>3/27/2018</a:t>
             </a:fld>
             <a:endParaRPr lang="en-US"/>
           </a:p>
@@ -1215,7 +1180,7 @@
           <a:p>
             <a:fld id="{712BF370-8BC6-43CF-AFF8-E4BEC3BC2070}" type="datetimeFigureOut">
               <a:rPr lang="en-US" smtClean="0"/>
-              <a:t>9/29/2017</a:t>
+              <a:t>3/27/2018</a:t>
             </a:fld>
             <a:endParaRPr lang="en-US"/>
           </a:p>
@@ -1480,7 +1445,7 @@
           <a:p>
             <a:fld id="{712BF370-8BC6-43CF-AFF8-E4BEC3BC2070}" type="datetimeFigureOut">
               <a:rPr lang="en-US" smtClean="0"/>
-              <a:t>9/29/2017</a:t>
+              <a:t>3/27/2018</a:t>
             </a:fld>
             <a:endParaRPr lang="en-US"/>
           </a:p>
@@ -1892,7 +1857,7 @@
           <a:p>
             <a:fld id="{712BF370-8BC6-43CF-AFF8-E4BEC3BC2070}" type="datetimeFigureOut">
               <a:rPr lang="en-US" smtClean="0"/>
-              <a:t>9/29/2017</a:t>
+              <a:t>3/27/2018</a:t>
             </a:fld>
             <a:endParaRPr lang="en-US"/>
           </a:p>
@@ -2033,7 +1998,7 @@
           <a:p>
             <a:fld id="{712BF370-8BC6-43CF-AFF8-E4BEC3BC2070}" type="datetimeFigureOut">
               <a:rPr lang="en-US" smtClean="0"/>
-              <a:t>9/29/2017</a:t>
+              <a:t>3/27/2018</a:t>
             </a:fld>
             <a:endParaRPr lang="en-US"/>
           </a:p>
@@ -2146,7 +2111,7 @@
           <a:p>
             <a:fld id="{712BF370-8BC6-43CF-AFF8-E4BEC3BC2070}" type="datetimeFigureOut">
               <a:rPr lang="en-US" smtClean="0"/>
-              <a:t>9/29/2017</a:t>
+              <a:t>3/27/2018</a:t>
             </a:fld>
             <a:endParaRPr lang="en-US"/>
           </a:p>
@@ -2457,7 +2422,7 @@
           <a:p>
             <a:fld id="{712BF370-8BC6-43CF-AFF8-E4BEC3BC2070}" type="datetimeFigureOut">
               <a:rPr lang="en-US" smtClean="0"/>
-              <a:t>9/29/2017</a:t>
+              <a:t>3/27/2018</a:t>
             </a:fld>
             <a:endParaRPr lang="en-US"/>
           </a:p>
@@ -2745,7 +2710,7 @@
           <a:p>
             <a:fld id="{712BF370-8BC6-43CF-AFF8-E4BEC3BC2070}" type="datetimeFigureOut">
               <a:rPr lang="en-US" smtClean="0"/>
-              <a:t>9/29/2017</a:t>
+              <a:t>3/27/2018</a:t>
             </a:fld>
             <a:endParaRPr lang="en-US"/>
           </a:p>
@@ -2986,7 +2951,7 @@
           <a:p>
             <a:fld id="{712BF370-8BC6-43CF-AFF8-E4BEC3BC2070}" type="datetimeFigureOut">
               <a:rPr lang="en-US" smtClean="0"/>
-              <a:t>9/29/2017</a:t>
+              <a:t>3/27/2018</a:t>
             </a:fld>
             <a:endParaRPr lang="en-US"/>
           </a:p>
@@ -3591,6 +3556,148 @@
       </p:grpSpPr>
       <p:sp>
         <p:nvSpPr>
+          <p:cNvPr id="4" name="Rectangle 3">
+            <a:extLst>
+              <a:ext uri="{FF2B5EF4-FFF2-40B4-BE49-F238E27FC236}">
+                <a16:creationId xmlns:a16="http://schemas.microsoft.com/office/drawing/2014/main" id="{E7C18FBA-3B6B-4A38-8D21-B2B8624D21D6}"/>
+              </a:ext>
+            </a:extLst>
+          </p:cNvPr>
+          <p:cNvSpPr/>
+          <p:nvPr/>
+        </p:nvSpPr>
+        <p:spPr>
+          <a:xfrm>
+            <a:off x="2087408" y="-581385"/>
+            <a:ext cx="5675956" cy="6155531"/>
+          </a:xfrm>
+          <a:prstGeom prst="rect">
+            <a:avLst/>
+          </a:prstGeom>
+          <a:noFill/>
+        </p:spPr>
+        <p:txBody>
+          <a:bodyPr wrap="square" lIns="0" tIns="0" rIns="0" bIns="0">
+            <a:spAutoFit/>
+            <a:scene3d>
+              <a:camera prst="perspectiveHeroicExtremeLeftFacing">
+                <a:rot lat="300000" lon="2067641" rev="21425485"/>
+              </a:camera>
+              <a:lightRig rig="flood" dir="t"/>
+            </a:scene3d>
+            <a:sp3d contourW="12700" prstMaterial="metal">
+              <a:bevelT w="0" h="0" prst="coolSlant"/>
+              <a:extrusionClr>
+                <a:schemeClr val="tx1"/>
+              </a:extrusionClr>
+              <a:contourClr>
+                <a:schemeClr val="tx1"/>
+              </a:contourClr>
+            </a:sp3d>
+          </a:bodyPr>
+          <a:lstStyle/>
+          <a:p>
+            <a:pPr algn="ctr"/>
+            <a:r>
+              <a:rPr lang="en-US" sz="40000" b="1" cap="none" spc="0" dirty="0">
+                <a:ln w="0">
+                  <a:noFill/>
+                </a:ln>
+                <a:effectLst/>
+              </a:rPr>
+              <a:t>C</a:t>
+            </a:r>
+          </a:p>
+        </p:txBody>
+      </p:sp>
+      <p:sp>
+        <p:nvSpPr>
+          <p:cNvPr id="5" name="Rectangle 4">
+            <a:extLst>
+              <a:ext uri="{FF2B5EF4-FFF2-40B4-BE49-F238E27FC236}">
+                <a16:creationId xmlns:a16="http://schemas.microsoft.com/office/drawing/2014/main" id="{65BBB101-EC0B-470F-9A95-8D734A01AB8B}"/>
+              </a:ext>
+            </a:extLst>
+          </p:cNvPr>
+          <p:cNvSpPr/>
+          <p:nvPr/>
+        </p:nvSpPr>
+        <p:spPr>
+          <a:xfrm>
+            <a:off x="3434493" y="1991571"/>
+            <a:ext cx="5875762" cy="6247864"/>
+          </a:xfrm>
+          <a:prstGeom prst="rect">
+            <a:avLst/>
+          </a:prstGeom>
+          <a:noFill/>
+        </p:spPr>
+        <p:txBody>
+          <a:bodyPr wrap="square" lIns="0" tIns="0" rIns="0" bIns="0">
+            <a:spAutoFit/>
+            <a:scene3d>
+              <a:camera prst="perspectiveHeroicExtremeLeftFacing">
+                <a:rot lat="300000" lon="2067641" rev="21425485"/>
+              </a:camera>
+              <a:lightRig rig="flood" dir="t"/>
+            </a:scene3d>
+            <a:sp3d contourW="12700" prstMaterial="metal">
+              <a:bevelT w="0" h="0" prst="coolSlant"/>
+              <a:extrusionClr>
+                <a:schemeClr val="tx1"/>
+              </a:extrusionClr>
+              <a:contourClr>
+                <a:schemeClr val="tx1"/>
+              </a:contourClr>
+            </a:sp3d>
+          </a:bodyPr>
+          <a:lstStyle/>
+          <a:p>
+            <a:pPr algn="ctr"/>
+            <a:r>
+              <a:rPr lang="en-US" sz="40000" b="1" dirty="0">
+                <a:ln w="0">
+                  <a:noFill/>
+                </a:ln>
+                <a:effectLst/>
+              </a:rPr>
+              <a:t>F</a:t>
+            </a:r>
+          </a:p>
+        </p:txBody>
+      </p:sp>
+    </p:spTree>
+    <p:extLst>
+      <p:ext uri="{BB962C8B-B14F-4D97-AF65-F5344CB8AC3E}">
+        <p14:creationId xmlns:p14="http://schemas.microsoft.com/office/powerpoint/2010/main" val="2163156386"/>
+      </p:ext>
+    </p:extLst>
+  </p:cSld>
+  <p:clrMapOvr>
+    <a:masterClrMapping/>
+  </p:clrMapOvr>
+</p:sld>
+</file>
+
+<file path=ppt/slides/slide3.xml><?xml version="1.0" encoding="utf-8"?>
+<p:sld xmlns:a="http://schemas.openxmlformats.org/drawingml/2006/main" xmlns:r="http://schemas.openxmlformats.org/officeDocument/2006/relationships" xmlns:p="http://schemas.openxmlformats.org/presentationml/2006/main">
+  <p:cSld>
+    <p:spTree>
+      <p:nvGrpSpPr>
+        <p:cNvPr id="1" name=""/>
+        <p:cNvGrpSpPr/>
+        <p:nvPr/>
+      </p:nvGrpSpPr>
+      <p:grpSpPr>
+        <a:xfrm>
+          <a:off x="0" y="0"/>
+          <a:ext cx="0" cy="0"/>
+          <a:chOff x="0" y="0"/>
+          <a:chExt cx="0" cy="0"/>
+        </a:xfrm>
+      </p:grpSpPr>
+      <p:sp>
+        <p:nvSpPr>
           <p:cNvPr id="5" name="Rectangle 4">
             <a:extLst>
               <a:ext uri="{FF2B5EF4-FFF2-40B4-BE49-F238E27FC236}">
